--- a/Flow_Network.pptx
+++ b/Flow_Network.pptx
@@ -5,7 +5,7 @@
     <p:sldMasterId id="2147483648" r:id="rId1"/>
   </p:sldMasterIdLst>
   <p:notesMasterIdLst>
-    <p:notesMasterId r:id="rId28"/>
+    <p:notesMasterId r:id="rId29"/>
   </p:notesMasterIdLst>
   <p:sldIdLst>
     <p:sldId id="256" r:id="rId2"/>
@@ -34,6 +34,7 @@
     <p:sldId id="281" r:id="rId25"/>
     <p:sldId id="282" r:id="rId26"/>
     <p:sldId id="283" r:id="rId27"/>
+    <p:sldId id="284" r:id="rId28"/>
   </p:sldIdLst>
   <p:sldSz cx="12192000" cy="6858000"/>
   <p:notesSz cx="6858000" cy="9144000"/>
@@ -132,6 +133,11 @@
       </a:defRPr>
     </a:lvl9pPr>
   </p:defaultTextStyle>
+  <p:extLst>
+    <p:ext uri="{EFAFB233-063F-42B5-8137-9DF3F51BA10A}">
+      <p15:sldGuideLst xmlns:p15="http://schemas.microsoft.com/office/powerpoint/2012/main"/>
+    </p:ext>
+  </p:extLst>
 </p:presentation>
 </file>
 
@@ -17190,7 +17196,7 @@
             </a:pPr>
             <a:r>
               <a:rPr lang="en-PH" dirty="0"/>
-              <a:t>Flow Network     +     accompanying cost</a:t>
+              <a:t>Flow Network     +     Accompanying Cost</a:t>
             </a:r>
           </a:p>
           <a:p>
@@ -18420,7 +18426,7 @@
         </p:nvSpPr>
         <p:spPr>
           <a:xfrm>
-            <a:off x="4391513" y="3219718"/>
+            <a:off x="4323190" y="3674685"/>
             <a:ext cx="743046" cy="369332"/>
           </a:xfrm>
           <a:prstGeom prst="rect">
@@ -18455,7 +18461,7 @@
         </p:nvSpPr>
         <p:spPr>
           <a:xfrm>
-            <a:off x="5104508" y="2126903"/>
+            <a:off x="4694713" y="1852036"/>
             <a:ext cx="743046" cy="369332"/>
           </a:xfrm>
           <a:prstGeom prst="rect">
@@ -18578,10 +18584,10 @@
       </p:grpSpPr>
       <p:sp>
         <p:nvSpPr>
-          <p:cNvPr id="4" name="TextBox 3">
-            <a:extLst>
-              <a:ext uri="{FF2B5EF4-FFF2-40B4-BE49-F238E27FC236}">
-                <a16:creationId xmlns:a16="http://schemas.microsoft.com/office/drawing/2014/main" id="{3D53FB1C-1557-4A2D-B522-D590C755B2F6}"/>
+          <p:cNvPr id="5" name="TextBox 4">
+            <a:extLst>
+              <a:ext uri="{FF2B5EF4-FFF2-40B4-BE49-F238E27FC236}">
+                <a16:creationId xmlns:a16="http://schemas.microsoft.com/office/drawing/2014/main" id="{224B6E24-CE78-4511-B662-E33857874AD9}"/>
               </a:ext>
             </a:extLst>
           </p:cNvPr>
@@ -18608,6 +18614,492 @@
               <a:rPr lang="en-PH" dirty="0"/>
               <a:t>Minimum Cost Flow</a:t>
             </a:r>
+          </a:p>
+        </p:txBody>
+      </p:sp>
+      <p:sp>
+        <p:nvSpPr>
+          <p:cNvPr id="2" name="TextBox 1">
+            <a:extLst>
+              <a:ext uri="{FF2B5EF4-FFF2-40B4-BE49-F238E27FC236}">
+                <a16:creationId xmlns:a16="http://schemas.microsoft.com/office/drawing/2014/main" id="{E144D1B3-4B66-4FBB-9428-F3AF8D3F6957}"/>
+              </a:ext>
+            </a:extLst>
+          </p:cNvPr>
+          <p:cNvSpPr txBox="1"/>
+          <p:nvPr/>
+        </p:nvSpPr>
+        <p:spPr>
+          <a:xfrm>
+            <a:off x="0" y="437882"/>
+            <a:ext cx="3090930" cy="1015663"/>
+          </a:xfrm>
+          <a:prstGeom prst="rect">
+            <a:avLst/>
+          </a:prstGeom>
+          <a:noFill/>
+        </p:spPr>
+        <p:txBody>
+          <a:bodyPr wrap="square" rtlCol="0">
+            <a:spAutoFit/>
+          </a:bodyPr>
+          <a:lstStyle/>
+          <a:p>
+            <a:r>
+              <a:rPr lang="en-PH" sz="2800" dirty="0"/>
+              <a:t>     (A, B) =   2x</a:t>
+            </a:r>
+          </a:p>
+          <a:p>
+            <a:r>
+              <a:rPr lang="en-PH" sz="2800" dirty="0"/>
+              <a:t>	      0 </a:t>
+            </a:r>
+            <a:r>
+              <a:rPr lang="en-PH" sz="3200" dirty="0"/>
+              <a:t>≤</a:t>
+            </a:r>
+            <a:r>
+              <a:rPr lang="en-PH" sz="2800" dirty="0"/>
+              <a:t> x </a:t>
+            </a:r>
+            <a:r>
+              <a:rPr lang="en-PH" sz="3200" dirty="0"/>
+              <a:t>≤ 15</a:t>
+            </a:r>
+            <a:endParaRPr lang="en-PH" sz="2800" dirty="0"/>
+          </a:p>
+        </p:txBody>
+      </p:sp>
+      <p:sp>
+        <p:nvSpPr>
+          <p:cNvPr id="6" name="TextBox 5">
+            <a:extLst>
+              <a:ext uri="{FF2B5EF4-FFF2-40B4-BE49-F238E27FC236}">
+                <a16:creationId xmlns:a16="http://schemas.microsoft.com/office/drawing/2014/main" id="{7D9706AC-77FC-4DD7-AD6A-775AEB40A663}"/>
+              </a:ext>
+            </a:extLst>
+          </p:cNvPr>
+          <p:cNvSpPr txBox="1"/>
+          <p:nvPr/>
+        </p:nvSpPr>
+        <p:spPr>
+          <a:xfrm>
+            <a:off x="0" y="1453545"/>
+            <a:ext cx="3090930" cy="1015663"/>
+          </a:xfrm>
+          <a:prstGeom prst="rect">
+            <a:avLst/>
+          </a:prstGeom>
+          <a:noFill/>
+        </p:spPr>
+        <p:txBody>
+          <a:bodyPr wrap="square" rtlCol="0">
+            <a:spAutoFit/>
+          </a:bodyPr>
+          <a:lstStyle/>
+          <a:p>
+            <a:r>
+              <a:rPr lang="en-PH" sz="2800" dirty="0"/>
+              <a:t>     (A, C) =   x</a:t>
+            </a:r>
+          </a:p>
+          <a:p>
+            <a:r>
+              <a:rPr lang="en-PH" sz="2800" dirty="0"/>
+              <a:t>	      0 </a:t>
+            </a:r>
+            <a:r>
+              <a:rPr lang="en-PH" sz="3200" dirty="0"/>
+              <a:t>≤</a:t>
+            </a:r>
+            <a:r>
+              <a:rPr lang="en-PH" sz="2800" dirty="0"/>
+              <a:t> x </a:t>
+            </a:r>
+            <a:r>
+              <a:rPr lang="en-PH" sz="3200" dirty="0"/>
+              <a:t>≤ 10</a:t>
+            </a:r>
+            <a:endParaRPr lang="en-PH" sz="2800" dirty="0"/>
+          </a:p>
+        </p:txBody>
+      </p:sp>
+      <p:sp>
+        <p:nvSpPr>
+          <p:cNvPr id="7" name="TextBox 6">
+            <a:extLst>
+              <a:ext uri="{FF2B5EF4-FFF2-40B4-BE49-F238E27FC236}">
+                <a16:creationId xmlns:a16="http://schemas.microsoft.com/office/drawing/2014/main" id="{28161937-9D8F-4C5B-979A-AA3A8A714A85}"/>
+              </a:ext>
+            </a:extLst>
+          </p:cNvPr>
+          <p:cNvSpPr txBox="1"/>
+          <p:nvPr/>
+        </p:nvSpPr>
+        <p:spPr>
+          <a:xfrm>
+            <a:off x="0" y="2469208"/>
+            <a:ext cx="3090930" cy="1015663"/>
+          </a:xfrm>
+          <a:prstGeom prst="rect">
+            <a:avLst/>
+          </a:prstGeom>
+          <a:noFill/>
+        </p:spPr>
+        <p:txBody>
+          <a:bodyPr wrap="square" rtlCol="0">
+            <a:spAutoFit/>
+          </a:bodyPr>
+          <a:lstStyle/>
+          <a:p>
+            <a:r>
+              <a:rPr lang="en-PH" sz="2800" dirty="0"/>
+              <a:t>     (B, C) =   x</a:t>
+            </a:r>
+          </a:p>
+          <a:p>
+            <a:r>
+              <a:rPr lang="en-PH" sz="2800" dirty="0"/>
+              <a:t>	      0 </a:t>
+            </a:r>
+            <a:r>
+              <a:rPr lang="en-PH" sz="3200" dirty="0"/>
+              <a:t>≤</a:t>
+            </a:r>
+            <a:r>
+              <a:rPr lang="en-PH" sz="2800" dirty="0"/>
+              <a:t> x </a:t>
+            </a:r>
+            <a:r>
+              <a:rPr lang="en-PH" sz="3200" dirty="0"/>
+              <a:t>≤ 6</a:t>
+            </a:r>
+            <a:endParaRPr lang="en-PH" sz="2800" dirty="0"/>
+          </a:p>
+        </p:txBody>
+      </p:sp>
+      <p:sp>
+        <p:nvSpPr>
+          <p:cNvPr id="8" name="TextBox 7">
+            <a:extLst>
+              <a:ext uri="{FF2B5EF4-FFF2-40B4-BE49-F238E27FC236}">
+                <a16:creationId xmlns:a16="http://schemas.microsoft.com/office/drawing/2014/main" id="{0EB071A8-AE40-48FD-8898-0C90E8A9D9BC}"/>
+              </a:ext>
+            </a:extLst>
+          </p:cNvPr>
+          <p:cNvSpPr txBox="1"/>
+          <p:nvPr/>
+        </p:nvSpPr>
+        <p:spPr>
+          <a:xfrm>
+            <a:off x="0" y="3484871"/>
+            <a:ext cx="3090930" cy="1015663"/>
+          </a:xfrm>
+          <a:prstGeom prst="rect">
+            <a:avLst/>
+          </a:prstGeom>
+          <a:noFill/>
+        </p:spPr>
+        <p:txBody>
+          <a:bodyPr wrap="square" rtlCol="0">
+            <a:spAutoFit/>
+          </a:bodyPr>
+          <a:lstStyle/>
+          <a:p>
+            <a:r>
+              <a:rPr lang="en-PH" sz="2800" dirty="0"/>
+              <a:t>     (B, D) =   2x</a:t>
+            </a:r>
+          </a:p>
+          <a:p>
+            <a:r>
+              <a:rPr lang="en-PH" sz="2800" dirty="0"/>
+              <a:t>	      0 </a:t>
+            </a:r>
+            <a:r>
+              <a:rPr lang="en-PH" sz="3200" dirty="0"/>
+              <a:t>≤</a:t>
+            </a:r>
+            <a:r>
+              <a:rPr lang="en-PH" sz="2800" dirty="0"/>
+              <a:t> x </a:t>
+            </a:r>
+            <a:r>
+              <a:rPr lang="en-PH" sz="3200" dirty="0"/>
+              <a:t>≤ 10</a:t>
+            </a:r>
+            <a:endParaRPr lang="en-PH" sz="2800" dirty="0"/>
+          </a:p>
+        </p:txBody>
+      </p:sp>
+      <p:sp>
+        <p:nvSpPr>
+          <p:cNvPr id="9" name="TextBox 8">
+            <a:extLst>
+              <a:ext uri="{FF2B5EF4-FFF2-40B4-BE49-F238E27FC236}">
+                <a16:creationId xmlns:a16="http://schemas.microsoft.com/office/drawing/2014/main" id="{E8C99E2E-CF76-4BE9-B4C9-8E8F2F78697E}"/>
+              </a:ext>
+            </a:extLst>
+          </p:cNvPr>
+          <p:cNvSpPr txBox="1"/>
+          <p:nvPr/>
+        </p:nvSpPr>
+        <p:spPr>
+          <a:xfrm>
+            <a:off x="0" y="4500534"/>
+            <a:ext cx="3090930" cy="1015663"/>
+          </a:xfrm>
+          <a:prstGeom prst="rect">
+            <a:avLst/>
+          </a:prstGeom>
+          <a:noFill/>
+        </p:spPr>
+        <p:txBody>
+          <a:bodyPr wrap="square" rtlCol="0">
+            <a:spAutoFit/>
+          </a:bodyPr>
+          <a:lstStyle/>
+          <a:p>
+            <a:r>
+              <a:rPr lang="en-PH" sz="2800" dirty="0"/>
+              <a:t>     (B, E) =   x</a:t>
+            </a:r>
+          </a:p>
+          <a:p>
+            <a:r>
+              <a:rPr lang="en-PH" sz="2800" dirty="0"/>
+              <a:t>	      0 </a:t>
+            </a:r>
+            <a:r>
+              <a:rPr lang="en-PH" sz="3200" dirty="0"/>
+              <a:t>≤</a:t>
+            </a:r>
+            <a:r>
+              <a:rPr lang="en-PH" sz="2800" dirty="0"/>
+              <a:t> x </a:t>
+            </a:r>
+            <a:r>
+              <a:rPr lang="en-PH" sz="3200" dirty="0"/>
+              <a:t>≤ 6</a:t>
+            </a:r>
+            <a:endParaRPr lang="en-PH" sz="2800" dirty="0"/>
+          </a:p>
+        </p:txBody>
+      </p:sp>
+      <p:sp>
+        <p:nvSpPr>
+          <p:cNvPr id="10" name="TextBox 9">
+            <a:extLst>
+              <a:ext uri="{FF2B5EF4-FFF2-40B4-BE49-F238E27FC236}">
+                <a16:creationId xmlns:a16="http://schemas.microsoft.com/office/drawing/2014/main" id="{242FC218-5A4D-4741-BB0F-385B6747200B}"/>
+              </a:ext>
+            </a:extLst>
+          </p:cNvPr>
+          <p:cNvSpPr txBox="1"/>
+          <p:nvPr/>
+        </p:nvSpPr>
+        <p:spPr>
+          <a:xfrm>
+            <a:off x="4550535" y="412125"/>
+            <a:ext cx="3090930" cy="1015663"/>
+          </a:xfrm>
+          <a:prstGeom prst="rect">
+            <a:avLst/>
+          </a:prstGeom>
+          <a:noFill/>
+        </p:spPr>
+        <p:txBody>
+          <a:bodyPr wrap="square" rtlCol="0">
+            <a:spAutoFit/>
+          </a:bodyPr>
+          <a:lstStyle/>
+          <a:p>
+            <a:r>
+              <a:rPr lang="en-PH" sz="2800" dirty="0"/>
+              <a:t>     (C, D) =   x</a:t>
+            </a:r>
+          </a:p>
+          <a:p>
+            <a:r>
+              <a:rPr lang="en-PH" sz="2800" dirty="0"/>
+              <a:t>	      0 </a:t>
+            </a:r>
+            <a:r>
+              <a:rPr lang="en-PH" sz="3200" dirty="0"/>
+              <a:t>≤</a:t>
+            </a:r>
+            <a:r>
+              <a:rPr lang="en-PH" sz="2800" dirty="0"/>
+              <a:t> x </a:t>
+            </a:r>
+            <a:r>
+              <a:rPr lang="en-PH" sz="3200" dirty="0"/>
+              <a:t>≤ 7</a:t>
+            </a:r>
+            <a:endParaRPr lang="en-PH" sz="2800" dirty="0"/>
+          </a:p>
+        </p:txBody>
+      </p:sp>
+      <p:sp>
+        <p:nvSpPr>
+          <p:cNvPr id="11" name="TextBox 10">
+            <a:extLst>
+              <a:ext uri="{FF2B5EF4-FFF2-40B4-BE49-F238E27FC236}">
+                <a16:creationId xmlns:a16="http://schemas.microsoft.com/office/drawing/2014/main" id="{64E3C223-8518-4FDB-AA2E-9100D9FA6154}"/>
+              </a:ext>
+            </a:extLst>
+          </p:cNvPr>
+          <p:cNvSpPr txBox="1"/>
+          <p:nvPr/>
+        </p:nvSpPr>
+        <p:spPr>
+          <a:xfrm>
+            <a:off x="4550535" y="1556198"/>
+            <a:ext cx="3090930" cy="1015663"/>
+          </a:xfrm>
+          <a:prstGeom prst="rect">
+            <a:avLst/>
+          </a:prstGeom>
+          <a:noFill/>
+        </p:spPr>
+        <p:txBody>
+          <a:bodyPr wrap="square" rtlCol="0">
+            <a:spAutoFit/>
+          </a:bodyPr>
+          <a:lstStyle/>
+          <a:p>
+            <a:r>
+              <a:rPr lang="en-PH" sz="2800" dirty="0"/>
+              <a:t>     (E, D) =   x</a:t>
+            </a:r>
+          </a:p>
+          <a:p>
+            <a:r>
+              <a:rPr lang="en-PH" sz="2800" dirty="0"/>
+              <a:t>	      0 </a:t>
+            </a:r>
+            <a:r>
+              <a:rPr lang="en-PH" sz="3200" dirty="0"/>
+              <a:t>≤</a:t>
+            </a:r>
+            <a:r>
+              <a:rPr lang="en-PH" sz="2800" dirty="0"/>
+              <a:t> x </a:t>
+            </a:r>
+            <a:r>
+              <a:rPr lang="en-PH" sz="3200" dirty="0"/>
+              <a:t>≤ 5</a:t>
+            </a:r>
+            <a:endParaRPr lang="en-PH" sz="2800" dirty="0"/>
+          </a:p>
+        </p:txBody>
+      </p:sp>
+      <p:sp>
+        <p:nvSpPr>
+          <p:cNvPr id="12" name="TextBox 11">
+            <a:extLst>
+              <a:ext uri="{FF2B5EF4-FFF2-40B4-BE49-F238E27FC236}">
+                <a16:creationId xmlns:a16="http://schemas.microsoft.com/office/drawing/2014/main" id="{BA6E0B6B-AD42-4DE3-B88D-737959057158}"/>
+              </a:ext>
+            </a:extLst>
+          </p:cNvPr>
+          <p:cNvSpPr txBox="1"/>
+          <p:nvPr/>
+        </p:nvSpPr>
+        <p:spPr>
+          <a:xfrm>
+            <a:off x="4550535" y="2700271"/>
+            <a:ext cx="3090930" cy="1015663"/>
+          </a:xfrm>
+          <a:prstGeom prst="rect">
+            <a:avLst/>
+          </a:prstGeom>
+          <a:noFill/>
+        </p:spPr>
+        <p:txBody>
+          <a:bodyPr wrap="square" rtlCol="0">
+            <a:spAutoFit/>
+          </a:bodyPr>
+          <a:lstStyle/>
+          <a:p>
+            <a:r>
+              <a:rPr lang="en-PH" sz="2800" dirty="0"/>
+              <a:t>     (D, F) =   2x</a:t>
+            </a:r>
+          </a:p>
+          <a:p>
+            <a:r>
+              <a:rPr lang="en-PH" sz="2800" dirty="0"/>
+              <a:t>	      0 </a:t>
+            </a:r>
+            <a:r>
+              <a:rPr lang="en-PH" sz="3200" dirty="0"/>
+              <a:t>≤</a:t>
+            </a:r>
+            <a:r>
+              <a:rPr lang="en-PH" sz="2800" dirty="0"/>
+              <a:t> x </a:t>
+            </a:r>
+            <a:r>
+              <a:rPr lang="en-PH" sz="3200" dirty="0"/>
+              <a:t>≤ 15</a:t>
+            </a:r>
+            <a:endParaRPr lang="en-PH" sz="2800" dirty="0"/>
+          </a:p>
+        </p:txBody>
+      </p:sp>
+      <p:sp>
+        <p:nvSpPr>
+          <p:cNvPr id="13" name="TextBox 12">
+            <a:extLst>
+              <a:ext uri="{FF2B5EF4-FFF2-40B4-BE49-F238E27FC236}">
+                <a16:creationId xmlns:a16="http://schemas.microsoft.com/office/drawing/2014/main" id="{DC51AEB8-E6AB-4E36-A8A7-8F7FBD8EF68B}"/>
+              </a:ext>
+            </a:extLst>
+          </p:cNvPr>
+          <p:cNvSpPr txBox="1"/>
+          <p:nvPr/>
+        </p:nvSpPr>
+        <p:spPr>
+          <a:xfrm>
+            <a:off x="4550535" y="3844344"/>
+            <a:ext cx="3090930" cy="1015663"/>
+          </a:xfrm>
+          <a:prstGeom prst="rect">
+            <a:avLst/>
+          </a:prstGeom>
+          <a:noFill/>
+        </p:spPr>
+        <p:txBody>
+          <a:bodyPr wrap="square" rtlCol="0">
+            <a:spAutoFit/>
+          </a:bodyPr>
+          <a:lstStyle/>
+          <a:p>
+            <a:r>
+              <a:rPr lang="en-PH" sz="2800" dirty="0"/>
+              <a:t>     (E, F) =   x</a:t>
+            </a:r>
+          </a:p>
+          <a:p>
+            <a:r>
+              <a:rPr lang="en-PH" sz="2800" dirty="0"/>
+              <a:t>	      0 </a:t>
+            </a:r>
+            <a:r>
+              <a:rPr lang="en-PH" sz="3200" dirty="0"/>
+              <a:t>≤</a:t>
+            </a:r>
+            <a:r>
+              <a:rPr lang="en-PH" sz="2800" dirty="0"/>
+              <a:t> x </a:t>
+            </a:r>
+            <a:r>
+              <a:rPr lang="en-PH" sz="3200" dirty="0"/>
+              <a:t>≤ 10</a:t>
+            </a:r>
+            <a:endParaRPr lang="en-PH" sz="2800" dirty="0"/>
           </a:p>
         </p:txBody>
       </p:sp>
@@ -18615,6 +19107,92 @@
     <p:extLst>
       <p:ext uri="{BB962C8B-B14F-4D97-AF65-F5344CB8AC3E}">
         <p14:creationId xmlns:p14="http://schemas.microsoft.com/office/powerpoint/2010/main" val="4282086513"/>
+      </p:ext>
+    </p:extLst>
+  </p:cSld>
+  <p:clrMapOvr>
+    <a:masterClrMapping/>
+  </p:clrMapOvr>
+</p:sld>
+</file>
+
+<file path=ppt/slides/slide27.xml><?xml version="1.0" encoding="utf-8"?>
+<p:sld xmlns:a="http://schemas.openxmlformats.org/drawingml/2006/main" xmlns:r="http://schemas.openxmlformats.org/officeDocument/2006/relationships" xmlns:p="http://schemas.openxmlformats.org/presentationml/2006/main">
+  <p:cSld>
+    <p:spTree>
+      <p:nvGrpSpPr>
+        <p:cNvPr id="1" name=""/>
+        <p:cNvGrpSpPr/>
+        <p:nvPr/>
+      </p:nvGrpSpPr>
+      <p:grpSpPr>
+        <a:xfrm>
+          <a:off x="0" y="0"/>
+          <a:ext cx="0" cy="0"/>
+          <a:chOff x="0" y="0"/>
+          <a:chExt cx="0" cy="0"/>
+        </a:xfrm>
+      </p:grpSpPr>
+      <p:sp>
+        <p:nvSpPr>
+          <p:cNvPr id="2" name="Title 1">
+            <a:extLst>
+              <a:ext uri="{FF2B5EF4-FFF2-40B4-BE49-F238E27FC236}">
+                <a16:creationId xmlns:a16="http://schemas.microsoft.com/office/drawing/2014/main" id="{009D543A-87BD-42A5-8B6D-5A7941992E03}"/>
+              </a:ext>
+            </a:extLst>
+          </p:cNvPr>
+          <p:cNvSpPr>
+            <a:spLocks noGrp="1"/>
+          </p:cNvSpPr>
+          <p:nvPr>
+            <p:ph type="title"/>
+          </p:nvPr>
+        </p:nvSpPr>
+        <p:spPr/>
+        <p:txBody>
+          <a:bodyPr/>
+          <a:lstStyle/>
+          <a:p>
+            <a:r>
+              <a:rPr lang="en-PH" dirty="0"/>
+              <a:t>Baseball Elimination</a:t>
+            </a:r>
+          </a:p>
+        </p:txBody>
+      </p:sp>
+      <p:sp>
+        <p:nvSpPr>
+          <p:cNvPr id="3" name="Content Placeholder 2">
+            <a:extLst>
+              <a:ext uri="{FF2B5EF4-FFF2-40B4-BE49-F238E27FC236}">
+                <a16:creationId xmlns:a16="http://schemas.microsoft.com/office/drawing/2014/main" id="{A040BF55-456D-44D8-A1D8-413C8292523E}"/>
+              </a:ext>
+            </a:extLst>
+          </p:cNvPr>
+          <p:cNvSpPr>
+            <a:spLocks noGrp="1"/>
+          </p:cNvSpPr>
+          <p:nvPr>
+            <p:ph idx="1"/>
+          </p:nvPr>
+        </p:nvSpPr>
+        <p:spPr/>
+        <p:txBody>
+          <a:bodyPr/>
+          <a:lstStyle/>
+          <a:p>
+            <a:pPr marL="0" indent="0">
+              <a:buNone/>
+            </a:pPr>
+            <a:endParaRPr lang="en-PH" dirty="0"/>
+          </a:p>
+        </p:txBody>
+      </p:sp>
+    </p:spTree>
+    <p:extLst>
+      <p:ext uri="{BB962C8B-B14F-4D97-AF65-F5344CB8AC3E}">
+        <p14:creationId xmlns:p14="http://schemas.microsoft.com/office/powerpoint/2010/main" val="2164283501"/>
       </p:ext>
     </p:extLst>
   </p:cSld>
